--- a/docs/ad-hoc meeting presentation.pptx
+++ b/docs/ad-hoc meeting presentation.pptx
@@ -7,6 +7,9 @@
   <p:sldIdLst>
     <p:sldId id="256" r:id="rId2"/>
     <p:sldId id="257" r:id="rId3"/>
+    <p:sldId id="258" r:id="rId4"/>
+    <p:sldId id="259" r:id="rId5"/>
+    <p:sldId id="260" r:id="rId6"/>
   </p:sldIdLst>
   <p:sldSz cx="12192000" cy="6858000"/>
   <p:notesSz cx="6858000" cy="9144000"/>
@@ -105,6 +108,11 @@
       </a:defRPr>
     </a:lvl9pPr>
   </p:defaultTextStyle>
+  <p:extLst>
+    <p:ext uri="{EFAFB233-063F-42B5-8137-9DF3F51BA10A}">
+      <p15:sldGuideLst xmlns:p15="http://schemas.microsoft.com/office/powerpoint/2012/main"/>
+    </p:ext>
+  </p:extLst>
 </p:presentation>
 </file>
 
@@ -257,7 +265,7 @@
           <a:p>
             <a:fld id="{FF37789D-2C5C-044D-A623-137C3A2DAFD3}" type="datetimeFigureOut">
               <a:rPr lang="en-US" smtClean="0"/>
-              <a:t>11/3/23</a:t>
+              <a:t>3/2/24</a:t>
             </a:fld>
             <a:endParaRPr lang="en-US"/>
           </a:p>
@@ -457,7 +465,7 @@
           <a:p>
             <a:fld id="{FF37789D-2C5C-044D-A623-137C3A2DAFD3}" type="datetimeFigureOut">
               <a:rPr lang="en-US" smtClean="0"/>
-              <a:t>11/3/23</a:t>
+              <a:t>3/2/24</a:t>
             </a:fld>
             <a:endParaRPr lang="en-US"/>
           </a:p>
@@ -667,7 +675,7 @@
           <a:p>
             <a:fld id="{FF37789D-2C5C-044D-A623-137C3A2DAFD3}" type="datetimeFigureOut">
               <a:rPr lang="en-US" smtClean="0"/>
-              <a:t>11/3/23</a:t>
+              <a:t>3/2/24</a:t>
             </a:fld>
             <a:endParaRPr lang="en-US"/>
           </a:p>
@@ -867,7 +875,7 @@
           <a:p>
             <a:fld id="{FF37789D-2C5C-044D-A623-137C3A2DAFD3}" type="datetimeFigureOut">
               <a:rPr lang="en-US" smtClean="0"/>
-              <a:t>11/3/23</a:t>
+              <a:t>3/2/24</a:t>
             </a:fld>
             <a:endParaRPr lang="en-US"/>
           </a:p>
@@ -1143,7 +1151,7 @@
           <a:p>
             <a:fld id="{FF37789D-2C5C-044D-A623-137C3A2DAFD3}" type="datetimeFigureOut">
               <a:rPr lang="en-US" smtClean="0"/>
-              <a:t>11/3/23</a:t>
+              <a:t>3/2/24</a:t>
             </a:fld>
             <a:endParaRPr lang="en-US"/>
           </a:p>
@@ -1411,7 +1419,7 @@
           <a:p>
             <a:fld id="{FF37789D-2C5C-044D-A623-137C3A2DAFD3}" type="datetimeFigureOut">
               <a:rPr lang="en-US" smtClean="0"/>
-              <a:t>11/3/23</a:t>
+              <a:t>3/2/24</a:t>
             </a:fld>
             <a:endParaRPr lang="en-US"/>
           </a:p>
@@ -1826,7 +1834,7 @@
           <a:p>
             <a:fld id="{FF37789D-2C5C-044D-A623-137C3A2DAFD3}" type="datetimeFigureOut">
               <a:rPr lang="en-US" smtClean="0"/>
-              <a:t>11/3/23</a:t>
+              <a:t>3/2/24</a:t>
             </a:fld>
             <a:endParaRPr lang="en-US"/>
           </a:p>
@@ -1968,7 +1976,7 @@
           <a:p>
             <a:fld id="{FF37789D-2C5C-044D-A623-137C3A2DAFD3}" type="datetimeFigureOut">
               <a:rPr lang="en-US" smtClean="0"/>
-              <a:t>11/3/23</a:t>
+              <a:t>3/2/24</a:t>
             </a:fld>
             <a:endParaRPr lang="en-US"/>
           </a:p>
@@ -2081,7 +2089,7 @@
           <a:p>
             <a:fld id="{FF37789D-2C5C-044D-A623-137C3A2DAFD3}" type="datetimeFigureOut">
               <a:rPr lang="en-US" smtClean="0"/>
-              <a:t>11/3/23</a:t>
+              <a:t>3/2/24</a:t>
             </a:fld>
             <a:endParaRPr lang="en-US"/>
           </a:p>
@@ -2394,7 +2402,7 @@
           <a:p>
             <a:fld id="{FF37789D-2C5C-044D-A623-137C3A2DAFD3}" type="datetimeFigureOut">
               <a:rPr lang="en-US" smtClean="0"/>
-              <a:t>11/3/23</a:t>
+              <a:t>3/2/24</a:t>
             </a:fld>
             <a:endParaRPr lang="en-US"/>
           </a:p>
@@ -2683,7 +2691,7 @@
           <a:p>
             <a:fld id="{FF37789D-2C5C-044D-A623-137C3A2DAFD3}" type="datetimeFigureOut">
               <a:rPr lang="en-US" smtClean="0"/>
-              <a:t>11/3/23</a:t>
+              <a:t>3/2/24</a:t>
             </a:fld>
             <a:endParaRPr lang="en-US"/>
           </a:p>
@@ -2926,7 +2934,7 @@
           <a:p>
             <a:fld id="{FF37789D-2C5C-044D-A623-137C3A2DAFD3}" type="datetimeFigureOut">
               <a:rPr lang="en-US" smtClean="0"/>
-              <a:t>11/3/23</a:t>
+              <a:t>3/2/24</a:t>
             </a:fld>
             <a:endParaRPr lang="en-US"/>
           </a:p>
@@ -4833,6 +4841,630 @@
 </p:sld>
 </file>
 
+<file path=ppt/slides/slide3.xml><?xml version="1.0" encoding="utf-8"?>
+<p:sld xmlns:a="http://schemas.openxmlformats.org/drawingml/2006/main" xmlns:r="http://schemas.openxmlformats.org/officeDocument/2006/relationships" xmlns:p="http://schemas.openxmlformats.org/presentationml/2006/main">
+  <p:cSld>
+    <p:spTree>
+      <p:nvGrpSpPr>
+        <p:cNvPr id="1" name=""/>
+        <p:cNvGrpSpPr/>
+        <p:nvPr/>
+      </p:nvGrpSpPr>
+      <p:grpSpPr>
+        <a:xfrm>
+          <a:off x="0" y="0"/>
+          <a:ext cx="0" cy="0"/>
+          <a:chOff x="0" y="0"/>
+          <a:chExt cx="0" cy="0"/>
+        </a:xfrm>
+      </p:grpSpPr>
+      <p:pic>
+        <p:nvPicPr>
+          <p:cNvPr id="1026" name="Picture 2" descr="🥇 Port Wine Stain FAQs | New York, NY">
+            <a:extLst>
+              <a:ext uri="{FF2B5EF4-FFF2-40B4-BE49-F238E27FC236}">
+                <a16:creationId xmlns:a16="http://schemas.microsoft.com/office/drawing/2014/main" id="{B782EAE6-BD7B-BC79-3BC4-20FACCD26BA6}"/>
+              </a:ext>
+            </a:extLst>
+          </p:cNvPr>
+          <p:cNvPicPr>
+            <a:picLocks noChangeAspect="1" noChangeArrowheads="1"/>
+          </p:cNvPicPr>
+          <p:nvPr/>
+        </p:nvPicPr>
+        <p:blipFill>
+          <a:blip r:embed="rId2">
+            <a:extLst>
+              <a:ext uri="{28A0092B-C50C-407E-A947-70E740481C1C}">
+                <a14:useLocalDpi xmlns:a14="http://schemas.microsoft.com/office/drawing/2010/main" val="0"/>
+              </a:ext>
+            </a:extLst>
+          </a:blip>
+          <a:srcRect/>
+          <a:stretch>
+            <a:fillRect/>
+          </a:stretch>
+        </p:blipFill>
+        <p:spPr bwMode="auto">
+          <a:xfrm>
+            <a:off x="2413000" y="762000"/>
+            <a:ext cx="7366000" cy="5334000"/>
+          </a:xfrm>
+          <a:prstGeom prst="rect">
+            <a:avLst/>
+          </a:prstGeom>
+          <a:noFill/>
+          <a:extLst>
+            <a:ext uri="{909E8E84-426E-40DD-AFC4-6F175D3DCCD1}">
+              <a14:hiddenFill xmlns:a14="http://schemas.microsoft.com/office/drawing/2010/main">
+                <a:solidFill>
+                  <a:srgbClr val="FFFFFF"/>
+                </a:solidFill>
+              </a14:hiddenFill>
+            </a:ext>
+          </a:extLst>
+        </p:spPr>
+      </p:pic>
+    </p:spTree>
+    <p:extLst>
+      <p:ext uri="{BB962C8B-B14F-4D97-AF65-F5344CB8AC3E}">
+        <p14:creationId xmlns:p14="http://schemas.microsoft.com/office/powerpoint/2010/main" val="3696988790"/>
+      </p:ext>
+    </p:extLst>
+  </p:cSld>
+  <p:clrMapOvr>
+    <a:masterClrMapping/>
+  </p:clrMapOvr>
+</p:sld>
+</file>
+
+<file path=ppt/slides/slide4.xml><?xml version="1.0" encoding="utf-8"?>
+<p:sld xmlns:a="http://schemas.openxmlformats.org/drawingml/2006/main" xmlns:r="http://schemas.openxmlformats.org/officeDocument/2006/relationships" xmlns:p="http://schemas.openxmlformats.org/presentationml/2006/main">
+  <p:cSld>
+    <p:bg>
+      <p:bgPr>
+        <a:solidFill>
+          <a:schemeClr val="bg1"/>
+        </a:solidFill>
+        <a:effectLst/>
+      </p:bgPr>
+    </p:bg>
+    <p:spTree>
+      <p:nvGrpSpPr>
+        <p:cNvPr id="1" name=""/>
+        <p:cNvGrpSpPr/>
+        <p:nvPr/>
+      </p:nvGrpSpPr>
+      <p:grpSpPr>
+        <a:xfrm>
+          <a:off x="0" y="0"/>
+          <a:ext cx="0" cy="0"/>
+          <a:chOff x="0" y="0"/>
+          <a:chExt cx="0" cy="0"/>
+        </a:xfrm>
+      </p:grpSpPr>
+      <p:sp>
+        <p:nvSpPr>
+          <p:cNvPr id="11" name="Rectangle 10">
+            <a:extLst>
+              <a:ext uri="{FF2B5EF4-FFF2-40B4-BE49-F238E27FC236}">
+                <a16:creationId xmlns:a16="http://schemas.microsoft.com/office/drawing/2014/main" id="{01D0AF59-99C3-4251-AB9A-C966C6AD4400}"/>
+              </a:ext>
+              <a:ext uri="{C183D7F6-B498-43B3-948B-1728B52AA6E4}">
+                <adec:decorative xmlns:adec="http://schemas.microsoft.com/office/drawing/2017/decorative" val="1"/>
+              </a:ext>
+            </a:extLst>
+          </p:cNvPr>
+          <p:cNvSpPr>
+            <a:spLocks noGrp="1" noRot="1" noChangeAspect="1" noMove="1" noResize="1" noEditPoints="1" noAdjustHandles="1" noChangeArrowheads="1" noChangeShapeType="1" noTextEdit="1"/>
+          </p:cNvSpPr>
+          <p:nvPr>
+            <p:extLst>
+              <p:ext uri="{386F3935-93C4-4BCD-93E2-E3B085C9AB24}">
+                <p16:designElem xmlns:p16="http://schemas.microsoft.com/office/powerpoint/2015/main" val="1"/>
+              </p:ext>
+            </p:extLst>
+          </p:nvPr>
+        </p:nvSpPr>
+        <p:spPr>
+          <a:xfrm>
+            <a:off x="0" y="0"/>
+            <a:ext cx="12192000" cy="6858000"/>
+          </a:xfrm>
+          <a:prstGeom prst="rect">
+            <a:avLst/>
+          </a:prstGeom>
+          <a:solidFill>
+            <a:schemeClr val="bg2"/>
+          </a:solidFill>
+          <a:ln>
+            <a:noFill/>
+          </a:ln>
+        </p:spPr>
+        <p:style>
+          <a:lnRef idx="2">
+            <a:schemeClr val="accent1">
+              <a:shade val="50000"/>
+            </a:schemeClr>
+          </a:lnRef>
+          <a:fillRef idx="1">
+            <a:schemeClr val="accent1"/>
+          </a:fillRef>
+          <a:effectRef idx="0">
+            <a:schemeClr val="accent1"/>
+          </a:effectRef>
+          <a:fontRef idx="minor">
+            <a:schemeClr val="lt1"/>
+          </a:fontRef>
+        </p:style>
+        <p:txBody>
+          <a:bodyPr rtlCol="0" anchor="ctr"/>
+          <a:lstStyle/>
+          <a:p>
+            <a:pPr algn="ctr"/>
+            <a:endParaRPr lang="en-US"/>
+          </a:p>
+        </p:txBody>
+      </p:sp>
+      <p:sp>
+        <p:nvSpPr>
+          <p:cNvPr id="13" name="Rectangle 12">
+            <a:extLst>
+              <a:ext uri="{FF2B5EF4-FFF2-40B4-BE49-F238E27FC236}">
+                <a16:creationId xmlns:a16="http://schemas.microsoft.com/office/drawing/2014/main" id="{1855405F-37A2-4869-9154-F8BE3BECE6C3}"/>
+              </a:ext>
+              <a:ext uri="{C183D7F6-B498-43B3-948B-1728B52AA6E4}">
+                <adec:decorative xmlns:adec="http://schemas.microsoft.com/office/drawing/2017/decorative" val="1"/>
+              </a:ext>
+            </a:extLst>
+          </p:cNvPr>
+          <p:cNvSpPr>
+            <a:spLocks noGrp="1" noRot="1" noChangeAspect="1" noMove="1" noResize="1" noEditPoints="1" noAdjustHandles="1" noChangeArrowheads="1" noChangeShapeType="1" noTextEdit="1"/>
+          </p:cNvSpPr>
+          <p:nvPr>
+            <p:extLst>
+              <p:ext uri="{386F3935-93C4-4BCD-93E2-E3B085C9AB24}">
+                <p16:designElem xmlns:p16="http://schemas.microsoft.com/office/powerpoint/2015/main" val="1"/>
+              </p:ext>
+            </p:extLst>
+          </p:nvPr>
+        </p:nvSpPr>
+        <p:spPr>
+          <a:xfrm>
+            <a:off x="477012" y="480060"/>
+            <a:ext cx="11237976" cy="5897880"/>
+          </a:xfrm>
+          <a:prstGeom prst="rect">
+            <a:avLst/>
+          </a:prstGeom>
+          <a:solidFill>
+            <a:srgbClr val="FFFFFF"/>
+          </a:solidFill>
+          <a:ln w="9525">
+            <a:noFill/>
+          </a:ln>
+          <a:effectLst>
+            <a:outerShdw blurRad="63500" dist="17780" dir="5400000" algn="t" rotWithShape="0">
+              <a:prstClr val="black">
+                <a:alpha val="43000"/>
+              </a:prstClr>
+            </a:outerShdw>
+          </a:effectLst>
+        </p:spPr>
+        <p:style>
+          <a:lnRef idx="2">
+            <a:schemeClr val="accent1">
+              <a:shade val="50000"/>
+            </a:schemeClr>
+          </a:lnRef>
+          <a:fillRef idx="1">
+            <a:schemeClr val="accent1"/>
+          </a:fillRef>
+          <a:effectRef idx="0">
+            <a:schemeClr val="accent1"/>
+          </a:effectRef>
+          <a:fontRef idx="minor">
+            <a:schemeClr val="lt1"/>
+          </a:fontRef>
+        </p:style>
+        <p:txBody>
+          <a:bodyPr rtlCol="0" anchor="ctr"/>
+          <a:lstStyle/>
+          <a:p>
+            <a:pPr algn="ctr"/>
+            <a:endParaRPr lang="en-US"/>
+          </a:p>
+        </p:txBody>
+      </p:sp>
+      <p:pic>
+        <p:nvPicPr>
+          <p:cNvPr id="4" name="Picture 3">
+            <a:extLst>
+              <a:ext uri="{FF2B5EF4-FFF2-40B4-BE49-F238E27FC236}">
+                <a16:creationId xmlns:a16="http://schemas.microsoft.com/office/drawing/2014/main" id="{B68B6D2A-B91A-83F0-8D90-966B2D6703EF}"/>
+              </a:ext>
+            </a:extLst>
+          </p:cNvPr>
+          <p:cNvPicPr>
+            <a:picLocks noChangeAspect="1"/>
+          </p:cNvPicPr>
+          <p:nvPr/>
+        </p:nvPicPr>
+        <p:blipFill>
+          <a:blip r:embed="rId2"/>
+          <a:stretch>
+            <a:fillRect/>
+          </a:stretch>
+        </p:blipFill>
+        <p:spPr>
+          <a:xfrm>
+            <a:off x="712234" y="2893836"/>
+            <a:ext cx="2296180" cy="3281666"/>
+          </a:xfrm>
+          <a:prstGeom prst="rect">
+            <a:avLst/>
+          </a:prstGeom>
+        </p:spPr>
+      </p:pic>
+      <p:pic>
+        <p:nvPicPr>
+          <p:cNvPr id="5" name="Picture 4">
+            <a:extLst>
+              <a:ext uri="{FF2B5EF4-FFF2-40B4-BE49-F238E27FC236}">
+                <a16:creationId xmlns:a16="http://schemas.microsoft.com/office/drawing/2014/main" id="{6F6A5E5C-032B-4954-C537-57A80497E411}"/>
+              </a:ext>
+            </a:extLst>
+          </p:cNvPr>
+          <p:cNvPicPr>
+            <a:picLocks noChangeAspect="1"/>
+          </p:cNvPicPr>
+          <p:nvPr/>
+        </p:nvPicPr>
+        <p:blipFill>
+          <a:blip r:embed="rId3"/>
+          <a:stretch>
+            <a:fillRect/>
+          </a:stretch>
+        </p:blipFill>
+        <p:spPr>
+          <a:xfrm>
+            <a:off x="3630194" y="2851034"/>
+            <a:ext cx="2296180" cy="3324469"/>
+          </a:xfrm>
+          <a:prstGeom prst="rect">
+            <a:avLst/>
+          </a:prstGeom>
+        </p:spPr>
+      </p:pic>
+      <p:cxnSp>
+        <p:nvCxnSpPr>
+          <p:cNvPr id="6" name="Straight Arrow Connector 5">
+            <a:extLst>
+              <a:ext uri="{FF2B5EF4-FFF2-40B4-BE49-F238E27FC236}">
+                <a16:creationId xmlns:a16="http://schemas.microsoft.com/office/drawing/2014/main" id="{AE5211C2-C1FA-1788-0B62-500647763811}"/>
+              </a:ext>
+            </a:extLst>
+          </p:cNvPr>
+          <p:cNvCxnSpPr>
+            <a:cxnSpLocks/>
+          </p:cNvCxnSpPr>
+          <p:nvPr/>
+        </p:nvCxnSpPr>
+        <p:spPr>
+          <a:xfrm>
+            <a:off x="3008414" y="4624410"/>
+            <a:ext cx="579872" cy="0"/>
+          </a:xfrm>
+          <a:prstGeom prst="straightConnector1">
+            <a:avLst/>
+          </a:prstGeom>
+          <a:ln w="76200">
+            <a:tailEnd type="triangle"/>
+          </a:ln>
+        </p:spPr>
+        <p:style>
+          <a:lnRef idx="1">
+            <a:schemeClr val="accent1"/>
+          </a:lnRef>
+          <a:fillRef idx="0">
+            <a:schemeClr val="accent1"/>
+          </a:fillRef>
+          <a:effectRef idx="0">
+            <a:schemeClr val="accent1"/>
+          </a:effectRef>
+          <a:fontRef idx="minor">
+            <a:schemeClr val="tx1"/>
+          </a:fontRef>
+        </p:style>
+      </p:cxnSp>
+      <p:sp>
+        <p:nvSpPr>
+          <p:cNvPr id="10" name="TextBox 9">
+            <a:extLst>
+              <a:ext uri="{FF2B5EF4-FFF2-40B4-BE49-F238E27FC236}">
+                <a16:creationId xmlns:a16="http://schemas.microsoft.com/office/drawing/2014/main" id="{AA3B24FE-9701-256D-0368-A6702AA907C9}"/>
+              </a:ext>
+            </a:extLst>
+          </p:cNvPr>
+          <p:cNvSpPr txBox="1"/>
+          <p:nvPr/>
+        </p:nvSpPr>
+        <p:spPr>
+          <a:xfrm>
+            <a:off x="712234" y="2481146"/>
+            <a:ext cx="2296180" cy="369888"/>
+          </a:xfrm>
+          <a:prstGeom prst="rect">
+            <a:avLst/>
+          </a:prstGeom>
+          <a:noFill/>
+        </p:spPr>
+        <p:txBody>
+          <a:bodyPr wrap="square" rtlCol="0">
+            <a:spAutoFit/>
+          </a:bodyPr>
+          <a:lstStyle/>
+          <a:p>
+            <a:pPr algn="ctr"/>
+            <a:r>
+              <a:rPr lang="en-US" dirty="0"/>
+              <a:t>Before treatment</a:t>
+            </a:r>
+          </a:p>
+        </p:txBody>
+      </p:sp>
+      <p:sp>
+        <p:nvSpPr>
+          <p:cNvPr id="14" name="TextBox 13">
+            <a:extLst>
+              <a:ext uri="{FF2B5EF4-FFF2-40B4-BE49-F238E27FC236}">
+                <a16:creationId xmlns:a16="http://schemas.microsoft.com/office/drawing/2014/main" id="{33EAA074-29AA-A4A1-BD4B-253547342D68}"/>
+              </a:ext>
+            </a:extLst>
+          </p:cNvPr>
+          <p:cNvSpPr txBox="1"/>
+          <p:nvPr/>
+        </p:nvSpPr>
+        <p:spPr>
+          <a:xfrm>
+            <a:off x="3485426" y="2481146"/>
+            <a:ext cx="2296180" cy="369888"/>
+          </a:xfrm>
+          <a:prstGeom prst="rect">
+            <a:avLst/>
+          </a:prstGeom>
+          <a:noFill/>
+        </p:spPr>
+        <p:txBody>
+          <a:bodyPr wrap="square" rtlCol="0">
+            <a:spAutoFit/>
+          </a:bodyPr>
+          <a:lstStyle/>
+          <a:p>
+            <a:pPr algn="ctr"/>
+            <a:r>
+              <a:rPr lang="en-US" dirty="0"/>
+              <a:t>After treatment</a:t>
+            </a:r>
+          </a:p>
+        </p:txBody>
+      </p:sp>
+    </p:spTree>
+    <p:extLst>
+      <p:ext uri="{BB962C8B-B14F-4D97-AF65-F5344CB8AC3E}">
+        <p14:creationId xmlns:p14="http://schemas.microsoft.com/office/powerpoint/2010/main" val="4236881330"/>
+      </p:ext>
+    </p:extLst>
+  </p:cSld>
+  <p:clrMapOvr>
+    <a:masterClrMapping/>
+  </p:clrMapOvr>
+</p:sld>
+</file>
+
+<file path=ppt/slides/slide5.xml><?xml version="1.0" encoding="utf-8"?>
+<p:sld xmlns:a="http://schemas.openxmlformats.org/drawingml/2006/main" xmlns:r="http://schemas.openxmlformats.org/officeDocument/2006/relationships" xmlns:p="http://schemas.openxmlformats.org/presentationml/2006/main">
+  <p:cSld>
+    <p:spTree>
+      <p:nvGrpSpPr>
+        <p:cNvPr id="1" name=""/>
+        <p:cNvGrpSpPr/>
+        <p:nvPr/>
+      </p:nvGrpSpPr>
+      <p:grpSpPr>
+        <a:xfrm>
+          <a:off x="0" y="0"/>
+          <a:ext cx="0" cy="0"/>
+          <a:chOff x="0" y="0"/>
+          <a:chExt cx="0" cy="0"/>
+        </a:xfrm>
+      </p:grpSpPr>
+      <p:pic>
+        <p:nvPicPr>
+          <p:cNvPr id="4" name="Picture 3">
+            <a:extLst>
+              <a:ext uri="{FF2B5EF4-FFF2-40B4-BE49-F238E27FC236}">
+                <a16:creationId xmlns:a16="http://schemas.microsoft.com/office/drawing/2014/main" id="{CC7DBDF7-5563-D123-6DBB-91DAC0135DAF}"/>
+              </a:ext>
+            </a:extLst>
+          </p:cNvPr>
+          <p:cNvPicPr>
+            <a:picLocks noChangeAspect="1"/>
+          </p:cNvPicPr>
+          <p:nvPr/>
+        </p:nvPicPr>
+        <p:blipFill>
+          <a:blip r:embed="rId2"/>
+          <a:stretch>
+            <a:fillRect/>
+          </a:stretch>
+        </p:blipFill>
+        <p:spPr>
+          <a:xfrm>
+            <a:off x="6682378" y="2970514"/>
+            <a:ext cx="2590689" cy="2647502"/>
+          </a:xfrm>
+          <a:prstGeom prst="rect">
+            <a:avLst/>
+          </a:prstGeom>
+        </p:spPr>
+      </p:pic>
+      <p:pic>
+        <p:nvPicPr>
+          <p:cNvPr id="5" name="Picture 4">
+            <a:extLst>
+              <a:ext uri="{FF2B5EF4-FFF2-40B4-BE49-F238E27FC236}">
+                <a16:creationId xmlns:a16="http://schemas.microsoft.com/office/drawing/2014/main" id="{2266871F-B748-8299-6515-EE098F8E8BFC}"/>
+              </a:ext>
+            </a:extLst>
+          </p:cNvPr>
+          <p:cNvPicPr>
+            <a:picLocks noChangeAspect="1"/>
+          </p:cNvPicPr>
+          <p:nvPr/>
+        </p:nvPicPr>
+        <p:blipFill>
+          <a:blip r:embed="rId3"/>
+          <a:stretch>
+            <a:fillRect/>
+          </a:stretch>
+        </p:blipFill>
+        <p:spPr>
+          <a:xfrm>
+            <a:off x="3614676" y="2812004"/>
+            <a:ext cx="2481324" cy="3004495"/>
+          </a:xfrm>
+          <a:prstGeom prst="rect">
+            <a:avLst/>
+          </a:prstGeom>
+        </p:spPr>
+      </p:pic>
+      <p:cxnSp>
+        <p:nvCxnSpPr>
+          <p:cNvPr id="6" name="Straight Arrow Connector 5">
+            <a:extLst>
+              <a:ext uri="{FF2B5EF4-FFF2-40B4-BE49-F238E27FC236}">
+                <a16:creationId xmlns:a16="http://schemas.microsoft.com/office/drawing/2014/main" id="{3F3E75F3-37F0-77AD-073D-DC7EF0B8C984}"/>
+              </a:ext>
+            </a:extLst>
+          </p:cNvPr>
+          <p:cNvCxnSpPr>
+            <a:cxnSpLocks/>
+          </p:cNvCxnSpPr>
+          <p:nvPr/>
+        </p:nvCxnSpPr>
+        <p:spPr>
+          <a:xfrm>
+            <a:off x="6096000" y="4294265"/>
+            <a:ext cx="524816" cy="0"/>
+          </a:xfrm>
+          <a:prstGeom prst="straightConnector1">
+            <a:avLst/>
+          </a:prstGeom>
+          <a:ln w="76200">
+            <a:tailEnd type="triangle"/>
+          </a:ln>
+        </p:spPr>
+        <p:style>
+          <a:lnRef idx="1">
+            <a:schemeClr val="accent1"/>
+          </a:lnRef>
+          <a:fillRef idx="0">
+            <a:schemeClr val="accent1"/>
+          </a:fillRef>
+          <a:effectRef idx="0">
+            <a:schemeClr val="accent1"/>
+          </a:effectRef>
+          <a:fontRef idx="minor">
+            <a:schemeClr val="tx1"/>
+          </a:fontRef>
+        </p:style>
+      </p:cxnSp>
+      <p:sp>
+        <p:nvSpPr>
+          <p:cNvPr id="7" name="TextBox 6">
+            <a:extLst>
+              <a:ext uri="{FF2B5EF4-FFF2-40B4-BE49-F238E27FC236}">
+                <a16:creationId xmlns:a16="http://schemas.microsoft.com/office/drawing/2014/main" id="{D27AFBF2-DC97-1E9C-8649-964BD1FC3F29}"/>
+              </a:ext>
+            </a:extLst>
+          </p:cNvPr>
+          <p:cNvSpPr txBox="1"/>
+          <p:nvPr/>
+        </p:nvSpPr>
+        <p:spPr>
+          <a:xfrm>
+            <a:off x="3614676" y="2442116"/>
+            <a:ext cx="2296180" cy="369888"/>
+          </a:xfrm>
+          <a:prstGeom prst="rect">
+            <a:avLst/>
+          </a:prstGeom>
+          <a:noFill/>
+        </p:spPr>
+        <p:txBody>
+          <a:bodyPr wrap="square" rtlCol="0">
+            <a:spAutoFit/>
+          </a:bodyPr>
+          <a:lstStyle/>
+          <a:p>
+            <a:pPr algn="ctr"/>
+            <a:r>
+              <a:rPr lang="en-US" dirty="0"/>
+              <a:t>Real</a:t>
+            </a:r>
+          </a:p>
+        </p:txBody>
+      </p:sp>
+      <p:sp>
+        <p:nvSpPr>
+          <p:cNvPr id="8" name="TextBox 7">
+            <a:extLst>
+              <a:ext uri="{FF2B5EF4-FFF2-40B4-BE49-F238E27FC236}">
+                <a16:creationId xmlns:a16="http://schemas.microsoft.com/office/drawing/2014/main" id="{9392FD80-25CD-66C9-D54D-5ACD4161D31A}"/>
+              </a:ext>
+            </a:extLst>
+          </p:cNvPr>
+          <p:cNvSpPr txBox="1"/>
+          <p:nvPr/>
+        </p:nvSpPr>
+        <p:spPr>
+          <a:xfrm>
+            <a:off x="6829632" y="2504396"/>
+            <a:ext cx="2296180" cy="369888"/>
+          </a:xfrm>
+          <a:prstGeom prst="rect">
+            <a:avLst/>
+          </a:prstGeom>
+          <a:noFill/>
+        </p:spPr>
+        <p:txBody>
+          <a:bodyPr wrap="square" rtlCol="0">
+            <a:spAutoFit/>
+          </a:bodyPr>
+          <a:lstStyle/>
+          <a:p>
+            <a:pPr algn="ctr"/>
+            <a:r>
+              <a:rPr lang="en-US" dirty="0"/>
+              <a:t>AI-Generated</a:t>
+            </a:r>
+          </a:p>
+        </p:txBody>
+      </p:sp>
+    </p:spTree>
+    <p:extLst>
+      <p:ext uri="{BB962C8B-B14F-4D97-AF65-F5344CB8AC3E}">
+        <p14:creationId xmlns:p14="http://schemas.microsoft.com/office/powerpoint/2010/main" val="321918260"/>
+      </p:ext>
+    </p:extLst>
+  </p:cSld>
+  <p:clrMapOvr>
+    <a:masterClrMapping/>
+  </p:clrMapOvr>
+</p:sld>
+</file>
+
 <file path=ppt/theme/theme1.xml><?xml version="1.0" encoding="utf-8"?>
 <a:theme xmlns:a="http://schemas.openxmlformats.org/drawingml/2006/main" name="Office Theme">
   <a:themeElements>
